--- a/docs/pics/Use_Case_3.pptx
+++ b/docs/pics/Use_Case_3.pptx
@@ -259,7 +259,7 @@
           <a:p>
             <a:fld id="{9F17A860-DFF3-4C48-952B-BF8262C5500E}" type="datetimeFigureOut">
               <a:rPr lang="de-DE" smtClean="0"/>
-              <a:t>02.01.2025</a:t>
+              <a:t>12.02.2025</a:t>
             </a:fld>
             <a:endParaRPr lang="de-DE" dirty="0"/>
           </a:p>
@@ -457,7 +457,7 @@
           <a:p>
             <a:fld id="{9F17A860-DFF3-4C48-952B-BF8262C5500E}" type="datetimeFigureOut">
               <a:rPr lang="de-DE" smtClean="0"/>
-              <a:t>02.01.2025</a:t>
+              <a:t>12.02.2025</a:t>
             </a:fld>
             <a:endParaRPr lang="de-DE" dirty="0"/>
           </a:p>
@@ -665,7 +665,7 @@
           <a:p>
             <a:fld id="{9F17A860-DFF3-4C48-952B-BF8262C5500E}" type="datetimeFigureOut">
               <a:rPr lang="de-DE" smtClean="0"/>
-              <a:t>02.01.2025</a:t>
+              <a:t>12.02.2025</a:t>
             </a:fld>
             <a:endParaRPr lang="de-DE" dirty="0"/>
           </a:p>
@@ -863,7 +863,7 @@
           <a:p>
             <a:fld id="{9F17A860-DFF3-4C48-952B-BF8262C5500E}" type="datetimeFigureOut">
               <a:rPr lang="de-DE" smtClean="0"/>
-              <a:t>02.01.2025</a:t>
+              <a:t>12.02.2025</a:t>
             </a:fld>
             <a:endParaRPr lang="de-DE" dirty="0"/>
           </a:p>
@@ -1138,7 +1138,7 @@
           <a:p>
             <a:fld id="{9F17A860-DFF3-4C48-952B-BF8262C5500E}" type="datetimeFigureOut">
               <a:rPr lang="de-DE" smtClean="0"/>
-              <a:t>02.01.2025</a:t>
+              <a:t>12.02.2025</a:t>
             </a:fld>
             <a:endParaRPr lang="de-DE" dirty="0"/>
           </a:p>
@@ -1403,7 +1403,7 @@
           <a:p>
             <a:fld id="{9F17A860-DFF3-4C48-952B-BF8262C5500E}" type="datetimeFigureOut">
               <a:rPr lang="de-DE" smtClean="0"/>
-              <a:t>02.01.2025</a:t>
+              <a:t>12.02.2025</a:t>
             </a:fld>
             <a:endParaRPr lang="de-DE" dirty="0"/>
           </a:p>
@@ -1815,7 +1815,7 @@
           <a:p>
             <a:fld id="{9F17A860-DFF3-4C48-952B-BF8262C5500E}" type="datetimeFigureOut">
               <a:rPr lang="de-DE" smtClean="0"/>
-              <a:t>02.01.2025</a:t>
+              <a:t>12.02.2025</a:t>
             </a:fld>
             <a:endParaRPr lang="de-DE" dirty="0"/>
           </a:p>
@@ -1956,7 +1956,7 @@
           <a:p>
             <a:fld id="{9F17A860-DFF3-4C48-952B-BF8262C5500E}" type="datetimeFigureOut">
               <a:rPr lang="de-DE" smtClean="0"/>
-              <a:t>02.01.2025</a:t>
+              <a:t>12.02.2025</a:t>
             </a:fld>
             <a:endParaRPr lang="de-DE" dirty="0"/>
           </a:p>
@@ -2069,7 +2069,7 @@
           <a:p>
             <a:fld id="{9F17A860-DFF3-4C48-952B-BF8262C5500E}" type="datetimeFigureOut">
               <a:rPr lang="de-DE" smtClean="0"/>
-              <a:t>02.01.2025</a:t>
+              <a:t>12.02.2025</a:t>
             </a:fld>
             <a:endParaRPr lang="de-DE" dirty="0"/>
           </a:p>
@@ -2380,7 +2380,7 @@
           <a:p>
             <a:fld id="{9F17A860-DFF3-4C48-952B-BF8262C5500E}" type="datetimeFigureOut">
               <a:rPr lang="de-DE" smtClean="0"/>
-              <a:t>02.01.2025</a:t>
+              <a:t>12.02.2025</a:t>
             </a:fld>
             <a:endParaRPr lang="de-DE" dirty="0"/>
           </a:p>
@@ -2668,7 +2668,7 @@
           <a:p>
             <a:fld id="{9F17A860-DFF3-4C48-952B-BF8262C5500E}" type="datetimeFigureOut">
               <a:rPr lang="de-DE" smtClean="0"/>
-              <a:t>02.01.2025</a:t>
+              <a:t>12.02.2025</a:t>
             </a:fld>
             <a:endParaRPr lang="de-DE" dirty="0"/>
           </a:p>
@@ -2909,7 +2909,7 @@
           <a:p>
             <a:fld id="{9F17A860-DFF3-4C48-952B-BF8262C5500E}" type="datetimeFigureOut">
               <a:rPr lang="de-DE" smtClean="0"/>
-              <a:t>02.01.2025</a:t>
+              <a:t>12.02.2025</a:t>
             </a:fld>
             <a:endParaRPr lang="de-DE" dirty="0"/>
           </a:p>
@@ -3564,7 +3564,7 @@
         </p:blipFill>
         <p:spPr>
           <a:xfrm flipH="1">
-            <a:off x="9694453" y="2258812"/>
+            <a:off x="9833938" y="228534"/>
             <a:ext cx="296249" cy="227501"/>
           </a:xfrm>
           <a:prstGeom prst="rect">
@@ -3636,7 +3636,7 @@
         </p:blipFill>
         <p:spPr>
           <a:xfrm>
-            <a:off x="897372" y="574973"/>
+            <a:off x="1139497" y="456035"/>
             <a:ext cx="799032" cy="926609"/>
           </a:xfrm>
           <a:prstGeom prst="rect">
@@ -3672,7 +3672,7 @@
         </p:blipFill>
         <p:spPr>
           <a:xfrm flipH="1">
-            <a:off x="1610037" y="1352080"/>
+            <a:off x="1852162" y="1233142"/>
             <a:ext cx="296249" cy="227501"/>
           </a:xfrm>
           <a:prstGeom prst="rect">
@@ -3811,7 +3811,7 @@
         </p:nvSpPr>
         <p:spPr>
           <a:xfrm>
-            <a:off x="10375132" y="4084442"/>
+            <a:off x="10514617" y="2054164"/>
             <a:ext cx="867225" cy="923330"/>
           </a:xfrm>
           <a:prstGeom prst="rect">
@@ -3963,7 +3963,7 @@
         </p:nvSpPr>
         <p:spPr>
           <a:xfrm>
-            <a:off x="603369" y="1428059"/>
+            <a:off x="845494" y="1309121"/>
             <a:ext cx="1374094" cy="646331"/>
           </a:xfrm>
           <a:prstGeom prst="rect">
@@ -4004,7 +4004,7 @@
         </p:nvSpPr>
         <p:spPr>
           <a:xfrm>
-            <a:off x="7229339" y="527653"/>
+            <a:off x="5644636" y="363938"/>
             <a:ext cx="1762021" cy="369332"/>
           </a:xfrm>
           <a:prstGeom prst="rect">
@@ -4053,7 +4053,7 @@
         </p:blipFill>
         <p:spPr>
           <a:xfrm>
-            <a:off x="9644512" y="2533076"/>
+            <a:off x="9783997" y="502798"/>
             <a:ext cx="1710164" cy="1504603"/>
           </a:xfrm>
           <a:prstGeom prst="rect">
@@ -4233,7 +4233,7 @@
         </p:blipFill>
         <p:spPr>
           <a:xfrm>
-            <a:off x="643378" y="3349392"/>
+            <a:off x="759973" y="3008548"/>
             <a:ext cx="1597861" cy="1597861"/>
           </a:xfrm>
           <a:prstGeom prst="rect">
@@ -4255,7 +4255,7 @@
         </p:nvSpPr>
         <p:spPr>
           <a:xfrm>
-            <a:off x="644023" y="4823105"/>
+            <a:off x="760618" y="4482261"/>
             <a:ext cx="1133708" cy="369332"/>
           </a:xfrm>
           <a:prstGeom prst="rect">
@@ -4304,7 +4304,7 @@
         </p:blipFill>
         <p:spPr>
           <a:xfrm flipH="1">
-            <a:off x="1725531" y="3171626"/>
+            <a:off x="1842126" y="2830782"/>
             <a:ext cx="296249" cy="227501"/>
           </a:xfrm>
           <a:prstGeom prst="rect">
@@ -4312,6 +4312,107 @@
           </a:prstGeom>
         </p:spPr>
       </p:pic>
+      <p:pic>
+        <p:nvPicPr>
+          <p:cNvPr id="3" name="Grafik 2" descr="Ein Bild, das weiß, Grafiken, Design enthält.&#10;&#10;Automatisch generierte Beschreibung">
+            <a:extLst>
+              <a:ext uri="{FF2B5EF4-FFF2-40B4-BE49-F238E27FC236}">
+                <a16:creationId xmlns:a16="http://schemas.microsoft.com/office/drawing/2014/main" id="{63C7F5AC-88DA-E3D5-E4C7-44B18AB61C91}"/>
+              </a:ext>
+            </a:extLst>
+          </p:cNvPr>
+          <p:cNvPicPr>
+            <a:picLocks noChangeAspect="1"/>
+          </p:cNvPicPr>
+          <p:nvPr/>
+        </p:nvPicPr>
+        <p:blipFill>
+          <a:blip r:embed="rId3">
+            <a:extLst>
+              <a:ext uri="{28A0092B-C50C-407E-A947-70E740481C1C}">
+                <a14:useLocalDpi xmlns:a14="http://schemas.microsoft.com/office/drawing/2010/main" val="0"/>
+              </a:ext>
+            </a:extLst>
+          </a:blip>
+          <a:stretch>
+            <a:fillRect/>
+          </a:stretch>
+        </p:blipFill>
+        <p:spPr>
+          <a:xfrm flipH="1">
+            <a:off x="9565486" y="2863743"/>
+            <a:ext cx="296249" cy="227501"/>
+          </a:xfrm>
+          <a:prstGeom prst="rect">
+            <a:avLst/>
+          </a:prstGeom>
+        </p:spPr>
+      </p:pic>
+      <p:pic>
+        <p:nvPicPr>
+          <p:cNvPr id="5" name="Grafik 4">
+            <a:extLst>
+              <a:ext uri="{FF2B5EF4-FFF2-40B4-BE49-F238E27FC236}">
+                <a16:creationId xmlns:a16="http://schemas.microsoft.com/office/drawing/2014/main" id="{6B709C8A-EBF0-9F4A-6C17-A1C43B8C6B6B}"/>
+              </a:ext>
+            </a:extLst>
+          </p:cNvPr>
+          <p:cNvPicPr>
+            <a:picLocks noChangeAspect="1"/>
+          </p:cNvPicPr>
+          <p:nvPr/>
+        </p:nvPicPr>
+        <p:blipFill>
+          <a:blip r:embed="rId11"/>
+          <a:stretch>
+            <a:fillRect/>
+          </a:stretch>
+        </p:blipFill>
+        <p:spPr>
+          <a:xfrm rot="964058">
+            <a:off x="9630445" y="3104647"/>
+            <a:ext cx="749476" cy="1650162"/>
+          </a:xfrm>
+          <a:prstGeom prst="rect">
+            <a:avLst/>
+          </a:prstGeom>
+        </p:spPr>
+      </p:pic>
+      <p:sp>
+        <p:nvSpPr>
+          <p:cNvPr id="7" name="Textfeld 6">
+            <a:extLst>
+              <a:ext uri="{FF2B5EF4-FFF2-40B4-BE49-F238E27FC236}">
+                <a16:creationId xmlns:a16="http://schemas.microsoft.com/office/drawing/2014/main" id="{00D51524-6A8A-FEEF-F484-59ED13597B3F}"/>
+              </a:ext>
+            </a:extLst>
+          </p:cNvPr>
+          <p:cNvSpPr txBox="1"/>
+          <p:nvPr/>
+        </p:nvSpPr>
+        <p:spPr>
+          <a:xfrm>
+            <a:off x="10219070" y="4626381"/>
+            <a:ext cx="1425518" cy="369332"/>
+          </a:xfrm>
+          <a:prstGeom prst="rect">
+            <a:avLst/>
+          </a:prstGeom>
+          <a:noFill/>
+        </p:spPr>
+        <p:txBody>
+          <a:bodyPr wrap="none" rtlCol="0">
+            <a:spAutoFit/>
+          </a:bodyPr>
+          <a:lstStyle/>
+          <a:p>
+            <a:r>
+              <a:rPr lang="de-DE" dirty="0"/>
+              <a:t>GPS-Receiver</a:t>
+            </a:r>
+          </a:p>
+        </p:txBody>
+      </p:sp>
     </p:spTree>
     <p:extLst>
       <p:ext uri="{BB962C8B-B14F-4D97-AF65-F5344CB8AC3E}">
